--- a/随心阅PPT.pptx
+++ b/随心阅PPT.pptx
@@ -28486,7 +28486,7 @@
         </p:nvSpPr>
         <p:spPr bwMode="auto">
           <a:xfrm>
-            <a:off x="328929" y="338792"/>
+            <a:off x="328929" y="1030307"/>
             <a:ext cx="1741487" cy="706755"/>
           </a:xfrm>
           <a:prstGeom prst="rect">
@@ -29166,6 +29166,116 @@
                 <a:lin scaled="0"/>
               </a:gradFill>
             </a:endParaRPr>
+          </a:p>
+        </p:txBody>
+      </p:sp>
+      <p:sp>
+        <p:nvSpPr>
+          <p:cNvPr id="8" name="文本框 7"/>
+          <p:cNvSpPr txBox="1"/>
+          <p:nvPr/>
+        </p:nvSpPr>
+        <p:spPr>
+          <a:xfrm>
+            <a:off x="698775" y="229816"/>
+            <a:ext cx="2314048" cy="337185"/>
+          </a:xfrm>
+          <a:prstGeom prst="rect">
+            <a:avLst/>
+          </a:prstGeom>
+          <a:noFill/>
+        </p:spPr>
+        <p:txBody>
+          <a:bodyPr wrap="square" rtlCol="0">
+            <a:spAutoFit/>
+          </a:bodyPr>
+          <a:p>
+            <a:pPr marL="0" marR="0" lvl="0" indent="0" algn="l" defTabSz="914400" rtl="0" eaLnBrk="1" fontAlgn="auto" latinLnBrk="0" hangingPunct="1">
+              <a:lnSpc>
+                <a:spcPct val="100000"/>
+              </a:lnSpc>
+              <a:spcBef>
+                <a:spcPts val="0"/>
+              </a:spcBef>
+              <a:spcAft>
+                <a:spcPts val="0"/>
+              </a:spcAft>
+              <a:buClrTx/>
+              <a:buSzTx/>
+              <a:buFontTx/>
+              <a:buNone/>
+              <a:defRPr/>
+            </a:pPr>
+            <a:r>
+              <a:rPr kumimoji="0" lang="zh-CN" altLang="en-US" sz="1600" b="0" i="0" u="none" strike="noStrike" kern="1200" cap="none" spc="0" normalizeH="0" baseline="0" noProof="0" dirty="0">
+                <a:ln>
+                  <a:noFill/>
+                </a:ln>
+                <a:solidFill>
+                  <a:srgbClr val="5E5E5E"/>
+                </a:solidFill>
+                <a:effectLst/>
+                <a:uLnTx/>
+                <a:uFillTx/>
+                <a:latin typeface="微软雅黑" panose="020B0503020204020204" pitchFamily="34" charset="-122"/>
+                <a:ea typeface="微软雅黑" panose="020B0503020204020204" pitchFamily="34" charset="-122"/>
+                <a:cs typeface="+mn-cs"/>
+              </a:rPr>
+              <a:t>广告设计</a:t>
+            </a:r>
+            <a:endParaRPr kumimoji="0" lang="zh-CN" altLang="en-US" sz="1600" b="0" i="0" u="none" strike="noStrike" kern="1200" cap="none" spc="0" normalizeH="0" baseline="0" noProof="0" dirty="0">
+              <a:ln>
+                <a:noFill/>
+              </a:ln>
+              <a:solidFill>
+                <a:srgbClr val="5E5E5E"/>
+              </a:solidFill>
+              <a:effectLst/>
+              <a:uLnTx/>
+              <a:uFillTx/>
+              <a:latin typeface="微软雅黑" panose="020B0503020204020204" pitchFamily="34" charset="-122"/>
+              <a:ea typeface="微软雅黑" panose="020B0503020204020204" pitchFamily="34" charset="-122"/>
+              <a:cs typeface="+mn-cs"/>
+            </a:endParaRPr>
+          </a:p>
+        </p:txBody>
+      </p:sp>
+      <p:sp>
+        <p:nvSpPr>
+          <p:cNvPr id="2" name="五角星 1"/>
+          <p:cNvSpPr/>
+          <p:nvPr/>
+        </p:nvSpPr>
+        <p:spPr>
+          <a:xfrm>
+            <a:off x="191135" y="151130"/>
+            <a:ext cx="507365" cy="494030"/>
+          </a:xfrm>
+          <a:prstGeom prst="star5">
+            <a:avLst/>
+          </a:prstGeom>
+        </p:spPr>
+        <p:style>
+          <a:lnRef idx="2">
+            <a:schemeClr val="accent4">
+              <a:shade val="50000"/>
+            </a:schemeClr>
+          </a:lnRef>
+          <a:fillRef idx="1">
+            <a:schemeClr val="accent4"/>
+          </a:fillRef>
+          <a:effectRef idx="0">
+            <a:schemeClr val="accent4"/>
+          </a:effectRef>
+          <a:fontRef idx="minor">
+            <a:schemeClr val="lt1"/>
+          </a:fontRef>
+        </p:style>
+        <p:txBody>
+          <a:bodyPr rtlCol="0" anchor="ctr"/>
+          <a:p>
+            <a:pPr algn="ctr"/>
+            <a:endParaRPr lang="zh-CN" altLang="en-US"/>
           </a:p>
         </p:txBody>
       </p:sp>
@@ -29434,6 +29544,41 @@
                                   </p:childTnLst>
                                 </p:cTn>
                               </p:par>
+                              <p:par>
+                                <p:cTn id="19" presetID="10" presetClass="entr" presetSubtype="0" fill="hold" grpId="0" nodeType="withEffect">
+                                  <p:stCondLst>
+                                    <p:cond delay="0"/>
+                                  </p:stCondLst>
+                                  <p:childTnLst>
+                                    <p:set>
+                                      <p:cBhvr>
+                                        <p:cTn id="20" dur="1" fill="hold">
+                                          <p:stCondLst>
+                                            <p:cond delay="0"/>
+                                          </p:stCondLst>
+                                        </p:cTn>
+                                        <p:tgtEl>
+                                          <p:spTgt spid="8"/>
+                                        </p:tgtEl>
+                                        <p:attrNameLst>
+                                          <p:attrName>style.visibility</p:attrName>
+                                        </p:attrNameLst>
+                                      </p:cBhvr>
+                                      <p:to>
+                                        <p:strVal val="visible"/>
+                                      </p:to>
+                                    </p:set>
+                                    <p:animEffect transition="in" filter="fade">
+                                      <p:cBhvr>
+                                        <p:cTn id="21" dur="500"/>
+                                        <p:tgtEl>
+                                          <p:spTgt spid="8"/>
+                                        </p:tgtEl>
+                                      </p:cBhvr>
+                                    </p:animEffect>
+                                  </p:childTnLst>
+                                </p:cTn>
+                              </p:par>
                             </p:childTnLst>
                           </p:cTn>
                         </p:par>
@@ -29465,6 +29610,7 @@
       <p:bldP spid="30" grpId="0"/>
       <p:bldP spid="32" grpId="0"/>
       <p:bldP spid="34" grpId="0"/>
+      <p:bldP spid="8" grpId="0"/>
     </p:bldLst>
   </p:timing>
 </p:sld>
